--- a/Présenation 2.3.pptx
+++ b/Présenation 2.3.pptx
@@ -5,7 +5,7 @@
     <p:sldMasterId id="2147483648" r:id="rId1"/>
   </p:sldMasterIdLst>
   <p:notesMasterIdLst>
-    <p:notesMasterId r:id="rId17"/>
+    <p:notesMasterId r:id="rId15"/>
   </p:notesMasterIdLst>
   <p:sldIdLst>
     <p:sldId id="256" r:id="rId2"/>
@@ -13,16 +13,14 @@
     <p:sldId id="258" r:id="rId4"/>
     <p:sldId id="257" r:id="rId5"/>
     <p:sldId id="259" r:id="rId6"/>
-    <p:sldId id="261" r:id="rId7"/>
-    <p:sldId id="262" r:id="rId8"/>
-    <p:sldId id="265" r:id="rId9"/>
-    <p:sldId id="266" r:id="rId10"/>
-    <p:sldId id="269" r:id="rId11"/>
-    <p:sldId id="270" r:id="rId12"/>
-    <p:sldId id="267" r:id="rId13"/>
-    <p:sldId id="268" r:id="rId14"/>
-    <p:sldId id="263" r:id="rId15"/>
-    <p:sldId id="264" r:id="rId16"/>
+    <p:sldId id="265" r:id="rId7"/>
+    <p:sldId id="266" r:id="rId8"/>
+    <p:sldId id="269" r:id="rId9"/>
+    <p:sldId id="270" r:id="rId10"/>
+    <p:sldId id="267" r:id="rId11"/>
+    <p:sldId id="268" r:id="rId12"/>
+    <p:sldId id="263" r:id="rId13"/>
+    <p:sldId id="264" r:id="rId14"/>
   </p:sldIdLst>
   <p:sldSz cx="12192000" cy="6858000"/>
   <p:notesSz cx="6858000" cy="9144000"/>
@@ -211,7 +209,7 @@
           <a:p>
             <a:fld id="{12BA7C31-0DDE-4F8A-AE03-D073EC7B4026}" type="datetimeFigureOut">
               <a:rPr lang="fr-FR" smtClean="0"/>
-              <a:t>16/04/2025</a:t>
+              <a:t>17/04/2025</a:t>
             </a:fld>
             <a:endParaRPr lang="fr-FR"/>
           </a:p>
@@ -3970,7 +3968,7 @@
           <p:cNvPr id="2" name="Titre 1">
             <a:extLst>
               <a:ext uri="{FF2B5EF4-FFF2-40B4-BE49-F238E27FC236}">
-                <a16:creationId xmlns:a16="http://schemas.microsoft.com/office/drawing/2014/main" id="{54A80B67-8E4C-06C4-27BC-076D25BEA171}"/>
+                <a16:creationId xmlns:a16="http://schemas.microsoft.com/office/drawing/2014/main" id="{35F04A7D-1706-86D9-8E4A-98BF0D7C86F3}"/>
               </a:ext>
             </a:extLst>
           </p:cNvPr>
@@ -3987,51 +3985,43 @@
           <a:lstStyle/>
           <a:p>
             <a:r>
-              <a:rPr lang="fr-FR" dirty="0" err="1"/>
-              <a:t>Database</a:t>
-            </a:r>
-            <a:r>
               <a:rPr lang="fr-FR" dirty="0"/>
-              <a:t> (MPD)</a:t>
-            </a:r>
-          </a:p>
-        </p:txBody>
-      </p:sp>
-      <p:pic>
-        <p:nvPicPr>
-          <p:cNvPr id="8" name="Espace réservé du contenu 7">
-            <a:extLst>
-              <a:ext uri="{FF2B5EF4-FFF2-40B4-BE49-F238E27FC236}">
-                <a16:creationId xmlns:a16="http://schemas.microsoft.com/office/drawing/2014/main" id="{31A2F769-F114-06CC-ABEF-135BDD1B44B8}"/>
-              </a:ext>
-            </a:extLst>
-          </p:cNvPr>
-          <p:cNvPicPr>
-            <a:picLocks noGrp="1" noChangeAspect="1"/>
-          </p:cNvPicPr>
+              <a:t>Back end</a:t>
+            </a:r>
+          </a:p>
+        </p:txBody>
+      </p:sp>
+      <p:sp>
+        <p:nvSpPr>
+          <p:cNvPr id="3" name="Espace réservé du contenu 2">
+            <a:extLst>
+              <a:ext uri="{FF2B5EF4-FFF2-40B4-BE49-F238E27FC236}">
+                <a16:creationId xmlns:a16="http://schemas.microsoft.com/office/drawing/2014/main" id="{48FA7C1B-5E7D-652C-CCF8-916E29629A6C}"/>
+              </a:ext>
+            </a:extLst>
+          </p:cNvPr>
+          <p:cNvSpPr>
+            <a:spLocks noGrp="1"/>
+          </p:cNvSpPr>
           <p:nvPr>
             <p:ph idx="1"/>
           </p:nvPr>
-        </p:nvPicPr>
-        <p:blipFill>
-          <a:blip r:embed="rId2"/>
-          <a:stretch>
-            <a:fillRect/>
-          </a:stretch>
-        </p:blipFill>
-        <p:spPr>
-          <a:xfrm>
-            <a:off x="1405483" y="2027543"/>
-            <a:ext cx="9381033" cy="3947502"/>
-          </a:xfrm>
-        </p:spPr>
-      </p:pic>
+        </p:nvSpPr>
+        <p:spPr/>
+        <p:txBody>
+          <a:bodyPr/>
+          <a:lstStyle/>
+          <a:p>
+            <a:endParaRPr lang="fr-FR"/>
+          </a:p>
+        </p:txBody>
+      </p:sp>
       <p:sp>
         <p:nvSpPr>
           <p:cNvPr id="4" name="Espace réservé de la date 3">
             <a:extLst>
               <a:ext uri="{FF2B5EF4-FFF2-40B4-BE49-F238E27FC236}">
-                <a16:creationId xmlns:a16="http://schemas.microsoft.com/office/drawing/2014/main" id="{7E430F75-8CDA-D312-F0CE-DA08B095B438}"/>
+                <a16:creationId xmlns:a16="http://schemas.microsoft.com/office/drawing/2014/main" id="{AC6CE353-38B8-E7A8-5B17-1B597684A04D}"/>
               </a:ext>
             </a:extLst>
           </p:cNvPr>
@@ -4059,7 +4049,7 @@
           <p:cNvPr id="5" name="Espace réservé du pied de page 4">
             <a:extLst>
               <a:ext uri="{FF2B5EF4-FFF2-40B4-BE49-F238E27FC236}">
-                <a16:creationId xmlns:a16="http://schemas.microsoft.com/office/drawing/2014/main" id="{DC6A6E1F-AF85-22C4-BC68-057626309442}"/>
+                <a16:creationId xmlns:a16="http://schemas.microsoft.com/office/drawing/2014/main" id="{6A34B7A1-F5BF-E503-F8AB-66FBA3E0F490}"/>
               </a:ext>
             </a:extLst>
           </p:cNvPr>
@@ -4087,7 +4077,7 @@
           <p:cNvPr id="6" name="Espace réservé du numéro de diapositive 5">
             <a:extLst>
               <a:ext uri="{FF2B5EF4-FFF2-40B4-BE49-F238E27FC236}">
-                <a16:creationId xmlns:a16="http://schemas.microsoft.com/office/drawing/2014/main" id="{08456D16-CFF6-B3DC-B872-F346D24D6B29}"/>
+                <a16:creationId xmlns:a16="http://schemas.microsoft.com/office/drawing/2014/main" id="{722528B3-225D-EB8E-95B9-2634B5AEEF5A}"/>
               </a:ext>
             </a:extLst>
           </p:cNvPr>
@@ -4114,7 +4104,7 @@
     </p:spTree>
     <p:extLst>
       <p:ext uri="{BB962C8B-B14F-4D97-AF65-F5344CB8AC3E}">
-        <p14:creationId xmlns:p14="http://schemas.microsoft.com/office/powerpoint/2010/main" val="226315811"/>
+        <p14:creationId xmlns:p14="http://schemas.microsoft.com/office/powerpoint/2010/main" val="3620282565"/>
       </p:ext>
     </p:extLst>
   </p:cSld>
@@ -4146,7 +4136,7 @@
           <p:cNvPr id="2" name="Titre 1">
             <a:extLst>
               <a:ext uri="{FF2B5EF4-FFF2-40B4-BE49-F238E27FC236}">
-                <a16:creationId xmlns:a16="http://schemas.microsoft.com/office/drawing/2014/main" id="{680DA0ED-40BB-5499-7312-EA17C252F746}"/>
+                <a16:creationId xmlns:a16="http://schemas.microsoft.com/office/drawing/2014/main" id="{61C728A1-EE55-4954-98EC-B50CF83B3701}"/>
               </a:ext>
             </a:extLst>
           </p:cNvPr>
@@ -4163,51 +4153,43 @@
           <a:lstStyle/>
           <a:p>
             <a:r>
-              <a:rPr lang="fr-FR" dirty="0" err="1"/>
-              <a:t>Database</a:t>
-            </a:r>
-            <a:r>
               <a:rPr lang="fr-FR" dirty="0"/>
-              <a:t> (MPD)</a:t>
-            </a:r>
-          </a:p>
-        </p:txBody>
-      </p:sp>
-      <p:pic>
-        <p:nvPicPr>
-          <p:cNvPr id="8" name="Espace réservé du contenu 7">
-            <a:extLst>
-              <a:ext uri="{FF2B5EF4-FFF2-40B4-BE49-F238E27FC236}">
-                <a16:creationId xmlns:a16="http://schemas.microsoft.com/office/drawing/2014/main" id="{F368C929-537E-1231-A5E2-CF51692F93F3}"/>
-              </a:ext>
-            </a:extLst>
-          </p:cNvPr>
-          <p:cNvPicPr>
-            <a:picLocks noGrp="1" noChangeAspect="1"/>
-          </p:cNvPicPr>
+              <a:t>Front end</a:t>
+            </a:r>
+          </a:p>
+        </p:txBody>
+      </p:sp>
+      <p:sp>
+        <p:nvSpPr>
+          <p:cNvPr id="3" name="Espace réservé du contenu 2">
+            <a:extLst>
+              <a:ext uri="{FF2B5EF4-FFF2-40B4-BE49-F238E27FC236}">
+                <a16:creationId xmlns:a16="http://schemas.microsoft.com/office/drawing/2014/main" id="{77C3A0BF-A75A-CA18-01CE-C0738D98380C}"/>
+              </a:ext>
+            </a:extLst>
+          </p:cNvPr>
+          <p:cNvSpPr>
+            <a:spLocks noGrp="1"/>
+          </p:cNvSpPr>
           <p:nvPr>
             <p:ph idx="1"/>
           </p:nvPr>
-        </p:nvPicPr>
-        <p:blipFill>
-          <a:blip r:embed="rId2"/>
-          <a:stretch>
-            <a:fillRect/>
-          </a:stretch>
-        </p:blipFill>
-        <p:spPr>
-          <a:xfrm>
-            <a:off x="436580" y="2308951"/>
-            <a:ext cx="11318839" cy="3410163"/>
-          </a:xfrm>
-        </p:spPr>
-      </p:pic>
+        </p:nvSpPr>
+        <p:spPr/>
+        <p:txBody>
+          <a:bodyPr/>
+          <a:lstStyle/>
+          <a:p>
+            <a:endParaRPr lang="fr-FR"/>
+          </a:p>
+        </p:txBody>
+      </p:sp>
       <p:sp>
         <p:nvSpPr>
           <p:cNvPr id="4" name="Espace réservé de la date 3">
             <a:extLst>
               <a:ext uri="{FF2B5EF4-FFF2-40B4-BE49-F238E27FC236}">
-                <a16:creationId xmlns:a16="http://schemas.microsoft.com/office/drawing/2014/main" id="{67F7B2D7-8309-89C6-8015-941D160C9254}"/>
+                <a16:creationId xmlns:a16="http://schemas.microsoft.com/office/drawing/2014/main" id="{0F692437-67F3-9819-F57C-E4B877A3EBDF}"/>
               </a:ext>
             </a:extLst>
           </p:cNvPr>
@@ -4235,7 +4217,7 @@
           <p:cNvPr id="5" name="Espace réservé du pied de page 4">
             <a:extLst>
               <a:ext uri="{FF2B5EF4-FFF2-40B4-BE49-F238E27FC236}">
-                <a16:creationId xmlns:a16="http://schemas.microsoft.com/office/drawing/2014/main" id="{B4789038-C580-B81E-D08C-9706BA8DB392}"/>
+                <a16:creationId xmlns:a16="http://schemas.microsoft.com/office/drawing/2014/main" id="{533B5543-7B70-ADBF-575D-C09C363DF888}"/>
               </a:ext>
             </a:extLst>
           </p:cNvPr>
@@ -4263,7 +4245,7 @@
           <p:cNvPr id="6" name="Espace réservé du numéro de diapositive 5">
             <a:extLst>
               <a:ext uri="{FF2B5EF4-FFF2-40B4-BE49-F238E27FC236}">
-                <a16:creationId xmlns:a16="http://schemas.microsoft.com/office/drawing/2014/main" id="{DC055DC0-5F1F-A678-4A99-1EB58244776F}"/>
+                <a16:creationId xmlns:a16="http://schemas.microsoft.com/office/drawing/2014/main" id="{2A947FD5-8787-A32E-D625-E71EBC71B4D5}"/>
               </a:ext>
             </a:extLst>
           </p:cNvPr>
@@ -4290,7 +4272,7 @@
     </p:spTree>
     <p:extLst>
       <p:ext uri="{BB962C8B-B14F-4D97-AF65-F5344CB8AC3E}">
-        <p14:creationId xmlns:p14="http://schemas.microsoft.com/office/powerpoint/2010/main" val="1059874249"/>
+        <p14:creationId xmlns:p14="http://schemas.microsoft.com/office/powerpoint/2010/main" val="3116946249"/>
       </p:ext>
     </p:extLst>
   </p:cSld>
@@ -4322,7 +4304,7 @@
           <p:cNvPr id="2" name="Titre 1">
             <a:extLst>
               <a:ext uri="{FF2B5EF4-FFF2-40B4-BE49-F238E27FC236}">
-                <a16:creationId xmlns:a16="http://schemas.microsoft.com/office/drawing/2014/main" id="{35F04A7D-1706-86D9-8E4A-98BF0D7C86F3}"/>
+                <a16:creationId xmlns:a16="http://schemas.microsoft.com/office/drawing/2014/main" id="{DB515E2A-A941-866A-01B4-2D04187DEF9E}"/>
               </a:ext>
             </a:extLst>
           </p:cNvPr>
@@ -4340,7 +4322,7 @@
           <a:p>
             <a:r>
               <a:rPr lang="fr-FR" dirty="0"/>
-              <a:t>Back end</a:t>
+              <a:t>Conclusion</a:t>
             </a:r>
           </a:p>
         </p:txBody>
@@ -4350,7 +4332,7 @@
           <p:cNvPr id="3" name="Espace réservé du contenu 2">
             <a:extLst>
               <a:ext uri="{FF2B5EF4-FFF2-40B4-BE49-F238E27FC236}">
-                <a16:creationId xmlns:a16="http://schemas.microsoft.com/office/drawing/2014/main" id="{48FA7C1B-5E7D-652C-CCF8-916E29629A6C}"/>
+                <a16:creationId xmlns:a16="http://schemas.microsoft.com/office/drawing/2014/main" id="{8583EA04-57C0-F12F-E179-C32DCA87571E}"/>
               </a:ext>
             </a:extLst>
           </p:cNvPr>
@@ -4361,12 +4343,47 @@
             <p:ph idx="1"/>
           </p:nvPr>
         </p:nvSpPr>
-        <p:spPr/>
-        <p:txBody>
-          <a:bodyPr/>
-          <a:lstStyle/>
-          <a:p>
-            <a:endParaRPr lang="fr-FR"/>
+        <p:spPr>
+          <a:xfrm>
+            <a:off x="678427" y="1825625"/>
+            <a:ext cx="11415250" cy="4351338"/>
+          </a:xfrm>
+        </p:spPr>
+        <p:txBody>
+          <a:bodyPr/>
+          <a:lstStyle/>
+          <a:p>
+            <a:endParaRPr lang="fr-FR" dirty="0"/>
+          </a:p>
+          <a:p>
+            <a:r>
+              <a:rPr lang="fr-FR" sz="3200" dirty="0"/>
+              <a:t>Résumé</a:t>
+            </a:r>
+          </a:p>
+          <a:p>
+            <a:r>
+              <a:rPr lang="fr-FR" sz="3200" dirty="0"/>
+              <a:t>Point d’amélioration</a:t>
+            </a:r>
+          </a:p>
+          <a:p>
+            <a:r>
+              <a:rPr lang="fr-FR" sz="3200" dirty="0"/>
+              <a:t>Guide utilisation/ Guide du développer/ Guide de l’administrateur</a:t>
+            </a:r>
+          </a:p>
+          <a:p>
+            <a:r>
+              <a:rPr lang="fr-FR" sz="3200" dirty="0"/>
+              <a:t>Autoévaluation</a:t>
+            </a:r>
+          </a:p>
+          <a:p>
+            <a:r>
+              <a:rPr lang="fr-FR" sz="3200" dirty="0"/>
+              <a:t>Démo</a:t>
+            </a:r>
           </a:p>
         </p:txBody>
       </p:sp>
@@ -4375,7 +4392,7 @@
           <p:cNvPr id="4" name="Espace réservé de la date 3">
             <a:extLst>
               <a:ext uri="{FF2B5EF4-FFF2-40B4-BE49-F238E27FC236}">
-                <a16:creationId xmlns:a16="http://schemas.microsoft.com/office/drawing/2014/main" id="{AC6CE353-38B8-E7A8-5B17-1B597684A04D}"/>
+                <a16:creationId xmlns:a16="http://schemas.microsoft.com/office/drawing/2014/main" id="{94DB40E9-3461-6237-B7F8-0A9918DDDF2A}"/>
               </a:ext>
             </a:extLst>
           </p:cNvPr>
@@ -4403,7 +4420,7 @@
           <p:cNvPr id="5" name="Espace réservé du pied de page 4">
             <a:extLst>
               <a:ext uri="{FF2B5EF4-FFF2-40B4-BE49-F238E27FC236}">
-                <a16:creationId xmlns:a16="http://schemas.microsoft.com/office/drawing/2014/main" id="{6A34B7A1-F5BF-E503-F8AB-66FBA3E0F490}"/>
+                <a16:creationId xmlns:a16="http://schemas.microsoft.com/office/drawing/2014/main" id="{4A2D187E-21BC-7ED5-7265-DD7AD17387BF}"/>
               </a:ext>
             </a:extLst>
           </p:cNvPr>
@@ -4431,7 +4448,7 @@
           <p:cNvPr id="6" name="Espace réservé du numéro de diapositive 5">
             <a:extLst>
               <a:ext uri="{FF2B5EF4-FFF2-40B4-BE49-F238E27FC236}">
-                <a16:creationId xmlns:a16="http://schemas.microsoft.com/office/drawing/2014/main" id="{722528B3-225D-EB8E-95B9-2634B5AEEF5A}"/>
+                <a16:creationId xmlns:a16="http://schemas.microsoft.com/office/drawing/2014/main" id="{624B90FC-975D-EEDB-23B2-130F15C7499F}"/>
               </a:ext>
             </a:extLst>
           </p:cNvPr>
@@ -4458,7 +4475,7 @@
     </p:spTree>
     <p:extLst>
       <p:ext uri="{BB962C8B-B14F-4D97-AF65-F5344CB8AC3E}">
-        <p14:creationId xmlns:p14="http://schemas.microsoft.com/office/powerpoint/2010/main" val="3620282565"/>
+        <p14:creationId xmlns:p14="http://schemas.microsoft.com/office/powerpoint/2010/main" val="2749623434"/>
       </p:ext>
     </p:extLst>
   </p:cSld>
@@ -4490,7 +4507,7 @@
           <p:cNvPr id="2" name="Titre 1">
             <a:extLst>
               <a:ext uri="{FF2B5EF4-FFF2-40B4-BE49-F238E27FC236}">
-                <a16:creationId xmlns:a16="http://schemas.microsoft.com/office/drawing/2014/main" id="{61C728A1-EE55-4954-98EC-B50CF83B3701}"/>
+                <a16:creationId xmlns:a16="http://schemas.microsoft.com/office/drawing/2014/main" id="{77B2917D-6D4B-788D-B447-2A6FAA0A2A3D}"/>
               </a:ext>
             </a:extLst>
           </p:cNvPr>
@@ -4501,15 +4518,31 @@
             <p:ph type="title"/>
           </p:nvPr>
         </p:nvSpPr>
-        <p:spPr/>
-        <p:txBody>
-          <a:bodyPr/>
-          <a:lstStyle/>
-          <a:p>
-            <a:r>
-              <a:rPr lang="fr-FR" dirty="0"/>
-              <a:t>Front end</a:t>
-            </a:r>
+        <p:spPr>
+          <a:xfrm>
+            <a:off x="838200" y="365125"/>
+            <a:ext cx="10515600" cy="2507284"/>
+          </a:xfrm>
+        </p:spPr>
+        <p:txBody>
+          <a:bodyPr>
+            <a:normAutofit/>
+          </a:bodyPr>
+          <a:lstStyle/>
+          <a:p>
+            <a:pPr algn="ctr"/>
+            <a:r>
+              <a:rPr lang="fr-FR" sz="7200" b="1" dirty="0"/>
+              <a:t>Merci pour votre attention</a:t>
+            </a:r>
+            <a:br>
+              <a:rPr lang="fr-FR" sz="7200" dirty="0"/>
+            </a:br>
+            <a:r>
+              <a:rPr lang="fr-FR" sz="7200" b="1" dirty="0"/>
+              <a:t>Des questions ?</a:t>
+            </a:r>
+            <a:endParaRPr lang="fr-FR" sz="7200" dirty="0"/>
           </a:p>
         </p:txBody>
       </p:sp>
@@ -4518,7 +4551,7 @@
           <p:cNvPr id="3" name="Espace réservé du contenu 2">
             <a:extLst>
               <a:ext uri="{FF2B5EF4-FFF2-40B4-BE49-F238E27FC236}">
-                <a16:creationId xmlns:a16="http://schemas.microsoft.com/office/drawing/2014/main" id="{77C3A0BF-A75A-CA18-01CE-C0738D98380C}"/>
+                <a16:creationId xmlns:a16="http://schemas.microsoft.com/office/drawing/2014/main" id="{C1183B3C-794B-38A3-DE35-544F0F68DF2F}"/>
               </a:ext>
             </a:extLst>
           </p:cNvPr>
@@ -4529,12 +4562,103 @@
             <p:ph idx="1"/>
           </p:nvPr>
         </p:nvSpPr>
-        <p:spPr/>
-        <p:txBody>
-          <a:bodyPr/>
-          <a:lstStyle/>
-          <a:p>
-            <a:endParaRPr lang="fr-FR"/>
+        <p:spPr>
+          <a:xfrm>
+            <a:off x="838199" y="3240157"/>
+            <a:ext cx="11198087" cy="2936805"/>
+          </a:xfrm>
+        </p:spPr>
+        <p:txBody>
+          <a:bodyPr>
+            <a:normAutofit/>
+          </a:bodyPr>
+          <a:lstStyle/>
+          <a:p>
+            <a:pPr marL="0" indent="0">
+              <a:buNone/>
+            </a:pPr>
+            <a:endParaRPr lang="fr-FR" sz="2400" b="0" dirty="0">
+              <a:effectLst/>
+              <a:latin typeface="Consolas" panose="020B0609020204030204" pitchFamily="49" charset="0"/>
+            </a:endParaRPr>
+          </a:p>
+          <a:p>
+            <a:r>
+              <a:rPr lang="fr-FR" sz="2400" b="0" dirty="0">
+                <a:effectLst/>
+                <a:latin typeface="Consolas" panose="020B0609020204030204" pitchFamily="49" charset="0"/>
+                <a:hlinkClick r:id="rId2"/>
+              </a:rPr>
+              <a:t>support@smaugue.fr</a:t>
+            </a:r>
+            <a:endParaRPr lang="fr-FR" sz="2400" b="0" dirty="0">
+              <a:effectLst/>
+              <a:latin typeface="Consolas" panose="020B0609020204030204" pitchFamily="49" charset="0"/>
+            </a:endParaRPr>
+          </a:p>
+          <a:p>
+            <a:r>
+              <a:rPr lang="fr-FR" sz="2400" dirty="0">
+                <a:latin typeface="Consolas" panose="020B0609020204030204" pitchFamily="49" charset="0"/>
+              </a:rPr>
+              <a:t>Ramire </a:t>
+            </a:r>
+            <a:r>
+              <a:rPr lang="fr-FR" sz="2400" dirty="0" err="1">
+                <a:latin typeface="Consolas" panose="020B0609020204030204" pitchFamily="49" charset="0"/>
+              </a:rPr>
+              <a:t>Moldes</a:t>
+            </a:r>
+            <a:r>
+              <a:rPr lang="fr-FR" sz="2400" dirty="0">
+                <a:latin typeface="Consolas" panose="020B0609020204030204" pitchFamily="49" charset="0"/>
+              </a:rPr>
+              <a:t>—</a:t>
+            </a:r>
+            <a:r>
+              <a:rPr lang="fr-FR" sz="2400" dirty="0" err="1">
+                <a:latin typeface="Consolas" panose="020B0609020204030204" pitchFamily="49" charset="0"/>
+              </a:rPr>
+              <a:t>Naal</a:t>
+            </a:r>
+            <a:r>
+              <a:rPr lang="fr-FR" sz="2400" dirty="0">
+                <a:latin typeface="Consolas" panose="020B0609020204030204" pitchFamily="49" charset="0"/>
+              </a:rPr>
+              <a:t> : ramire@moldesnaal.fr</a:t>
+            </a:r>
+          </a:p>
+          <a:p>
+            <a:r>
+              <a:rPr lang="fr-FR" sz="2400" b="0" dirty="0" err="1">
+                <a:effectLst/>
+                <a:latin typeface="Consolas" panose="020B0609020204030204" pitchFamily="49" charset="0"/>
+              </a:rPr>
+              <a:t>Darvas</a:t>
+            </a:r>
+            <a:r>
+              <a:rPr lang="fr-FR" sz="2400" b="0" dirty="0">
+                <a:effectLst/>
+                <a:latin typeface="Consolas" panose="020B0609020204030204" pitchFamily="49" charset="0"/>
+              </a:rPr>
+              <a:t> Maximilien : maxdarvas@gmail.com / 07.81.49.40.30</a:t>
+            </a:r>
+          </a:p>
+          <a:p>
+            <a:r>
+              <a:rPr lang="de-DE" sz="2400" b="0" dirty="0">
+                <a:effectLst/>
+                <a:latin typeface="Consolas" panose="020B0609020204030204" pitchFamily="49" charset="0"/>
+              </a:rPr>
+              <a:t>Thomas Vermot : thomas.vermot02@edu.univ-fcomte.fr</a:t>
+            </a:r>
+            <a:endParaRPr lang="fr-FR" sz="2400" b="0" dirty="0">
+              <a:effectLst/>
+              <a:latin typeface="Consolas" panose="020B0609020204030204" pitchFamily="49" charset="0"/>
+            </a:endParaRPr>
+          </a:p>
+          <a:p>
+            <a:endParaRPr lang="fr-FR" dirty="0"/>
           </a:p>
         </p:txBody>
       </p:sp>
@@ -4543,7 +4667,7 @@
           <p:cNvPr id="4" name="Espace réservé de la date 3">
             <a:extLst>
               <a:ext uri="{FF2B5EF4-FFF2-40B4-BE49-F238E27FC236}">
-                <a16:creationId xmlns:a16="http://schemas.microsoft.com/office/drawing/2014/main" id="{0F692437-67F3-9819-F57C-E4B877A3EBDF}"/>
+                <a16:creationId xmlns:a16="http://schemas.microsoft.com/office/drawing/2014/main" id="{B82B51E7-DDDD-3144-D987-603374039BC9}"/>
               </a:ext>
             </a:extLst>
           </p:cNvPr>
@@ -4571,7 +4695,7 @@
           <p:cNvPr id="5" name="Espace réservé du pied de page 4">
             <a:extLst>
               <a:ext uri="{FF2B5EF4-FFF2-40B4-BE49-F238E27FC236}">
-                <a16:creationId xmlns:a16="http://schemas.microsoft.com/office/drawing/2014/main" id="{533B5543-7B70-ADBF-575D-C09C363DF888}"/>
+                <a16:creationId xmlns:a16="http://schemas.microsoft.com/office/drawing/2014/main" id="{97159C85-A6BA-116F-F9B4-D45D537C635B}"/>
               </a:ext>
             </a:extLst>
           </p:cNvPr>
@@ -4599,7 +4723,7 @@
           <p:cNvPr id="6" name="Espace réservé du numéro de diapositive 5">
             <a:extLst>
               <a:ext uri="{FF2B5EF4-FFF2-40B4-BE49-F238E27FC236}">
-                <a16:creationId xmlns:a16="http://schemas.microsoft.com/office/drawing/2014/main" id="{2A947FD5-8787-A32E-D625-E71EBC71B4D5}"/>
+                <a16:creationId xmlns:a16="http://schemas.microsoft.com/office/drawing/2014/main" id="{9E73D3CA-E2B4-5369-8C71-169FB94849C2}"/>
               </a:ext>
             </a:extLst>
           </p:cNvPr>
@@ -4618,402 +4742,6 @@
             <a:fld id="{92BA4D51-04E1-442B-A562-2E189AD24C47}" type="slidenum">
               <a:rPr lang="fr-FR" smtClean="0"/>
               <a:t>13</a:t>
-            </a:fld>
-            <a:endParaRPr lang="fr-FR"/>
-          </a:p>
-        </p:txBody>
-      </p:sp>
-    </p:spTree>
-    <p:extLst>
-      <p:ext uri="{BB962C8B-B14F-4D97-AF65-F5344CB8AC3E}">
-        <p14:creationId xmlns:p14="http://schemas.microsoft.com/office/powerpoint/2010/main" val="3116946249"/>
-      </p:ext>
-    </p:extLst>
-  </p:cSld>
-  <p:clrMapOvr>
-    <a:masterClrMapping/>
-  </p:clrMapOvr>
-</p:sld>
-</file>
-
-<file path=ppt/slides/slide14.xml><?xml version="1.0" encoding="utf-8"?>
-<p:sld xmlns:a="http://schemas.openxmlformats.org/drawingml/2006/main" xmlns:r="http://schemas.openxmlformats.org/officeDocument/2006/relationships" xmlns:p="http://schemas.openxmlformats.org/presentationml/2006/main">
-  <p:cSld>
-    <p:spTree>
-      <p:nvGrpSpPr>
-        <p:cNvPr id="1" name=""/>
-        <p:cNvGrpSpPr/>
-        <p:nvPr/>
-      </p:nvGrpSpPr>
-      <p:grpSpPr>
-        <a:xfrm>
-          <a:off x="0" y="0"/>
-          <a:ext cx="0" cy="0"/>
-          <a:chOff x="0" y="0"/>
-          <a:chExt cx="0" cy="0"/>
-        </a:xfrm>
-      </p:grpSpPr>
-      <p:sp>
-        <p:nvSpPr>
-          <p:cNvPr id="2" name="Titre 1">
-            <a:extLst>
-              <a:ext uri="{FF2B5EF4-FFF2-40B4-BE49-F238E27FC236}">
-                <a16:creationId xmlns:a16="http://schemas.microsoft.com/office/drawing/2014/main" id="{DB515E2A-A941-866A-01B4-2D04187DEF9E}"/>
-              </a:ext>
-            </a:extLst>
-          </p:cNvPr>
-          <p:cNvSpPr>
-            <a:spLocks noGrp="1"/>
-          </p:cNvSpPr>
-          <p:nvPr>
-            <p:ph type="title"/>
-          </p:nvPr>
-        </p:nvSpPr>
-        <p:spPr/>
-        <p:txBody>
-          <a:bodyPr/>
-          <a:lstStyle/>
-          <a:p>
-            <a:r>
-              <a:rPr lang="fr-FR" dirty="0"/>
-              <a:t>Conclusion</a:t>
-            </a:r>
-          </a:p>
-        </p:txBody>
-      </p:sp>
-      <p:sp>
-        <p:nvSpPr>
-          <p:cNvPr id="3" name="Espace réservé du contenu 2">
-            <a:extLst>
-              <a:ext uri="{FF2B5EF4-FFF2-40B4-BE49-F238E27FC236}">
-                <a16:creationId xmlns:a16="http://schemas.microsoft.com/office/drawing/2014/main" id="{8583EA04-57C0-F12F-E179-C32DCA87571E}"/>
-              </a:ext>
-            </a:extLst>
-          </p:cNvPr>
-          <p:cNvSpPr>
-            <a:spLocks noGrp="1"/>
-          </p:cNvSpPr>
-          <p:nvPr>
-            <p:ph idx="1"/>
-          </p:nvPr>
-        </p:nvSpPr>
-        <p:spPr/>
-        <p:txBody>
-          <a:bodyPr/>
-          <a:lstStyle/>
-          <a:p>
-            <a:r>
-              <a:rPr lang="fr-FR" dirty="0"/>
-              <a:t>1 </a:t>
-            </a:r>
-            <a:r>
-              <a:rPr lang="fr-FR" dirty="0" err="1"/>
-              <a:t>ere</a:t>
-            </a:r>
-            <a:r>
-              <a:rPr lang="fr-FR" dirty="0"/>
-              <a:t> partie résumé de toute nos contribution </a:t>
-            </a:r>
-          </a:p>
-          <a:p>
-            <a:endParaRPr lang="fr-FR" dirty="0"/>
-          </a:p>
-          <a:p>
-            <a:r>
-              <a:rPr lang="fr-FR" dirty="0"/>
-              <a:t>Perspective ( </a:t>
-            </a:r>
-            <a:r>
-              <a:rPr lang="fr-FR" dirty="0" err="1"/>
-              <a:t>jaurai</a:t>
-            </a:r>
-            <a:r>
-              <a:rPr lang="fr-FR" dirty="0"/>
-              <a:t> pu m’améliorer</a:t>
-            </a:r>
-          </a:p>
-          <a:p>
-            <a:r>
-              <a:rPr lang="fr-FR" dirty="0"/>
-              <a:t>Démo ( vidéo ou photo )</a:t>
-            </a:r>
-          </a:p>
-          <a:p>
-            <a:r>
-              <a:rPr lang="fr-FR" dirty="0"/>
-              <a:t>Guide utilisation / Guide de développer </a:t>
-            </a:r>
-          </a:p>
-          <a:p>
-            <a:r>
-              <a:rPr lang="fr-FR" dirty="0"/>
-              <a:t>Élément d’échange ( discord , </a:t>
-            </a:r>
-            <a:r>
-              <a:rPr lang="fr-FR" dirty="0" err="1"/>
-              <a:t>github</a:t>
-            </a:r>
-            <a:endParaRPr lang="fr-FR" dirty="0"/>
-          </a:p>
-          <a:p>
-            <a:r>
-              <a:rPr lang="fr-FR" dirty="0"/>
-              <a:t>Autoévaluation</a:t>
-            </a:r>
-          </a:p>
-        </p:txBody>
-      </p:sp>
-      <p:sp>
-        <p:nvSpPr>
-          <p:cNvPr id="4" name="Espace réservé de la date 3">
-            <a:extLst>
-              <a:ext uri="{FF2B5EF4-FFF2-40B4-BE49-F238E27FC236}">
-                <a16:creationId xmlns:a16="http://schemas.microsoft.com/office/drawing/2014/main" id="{94DB40E9-3461-6237-B7F8-0A9918DDDF2A}"/>
-              </a:ext>
-            </a:extLst>
-          </p:cNvPr>
-          <p:cNvSpPr>
-            <a:spLocks noGrp="1"/>
-          </p:cNvSpPr>
-          <p:nvPr>
-            <p:ph type="dt" sz="half" idx="10"/>
-          </p:nvPr>
-        </p:nvSpPr>
-        <p:spPr/>
-        <p:txBody>
-          <a:bodyPr/>
-          <a:lstStyle/>
-          <a:p>
-            <a:r>
-              <a:rPr lang="fr-FR"/>
-              <a:t>18/04/2025</a:t>
-            </a:r>
-          </a:p>
-        </p:txBody>
-      </p:sp>
-      <p:sp>
-        <p:nvSpPr>
-          <p:cNvPr id="5" name="Espace réservé du pied de page 4">
-            <a:extLst>
-              <a:ext uri="{FF2B5EF4-FFF2-40B4-BE49-F238E27FC236}">
-                <a16:creationId xmlns:a16="http://schemas.microsoft.com/office/drawing/2014/main" id="{4A2D187E-21BC-7ED5-7265-DD7AD17387BF}"/>
-              </a:ext>
-            </a:extLst>
-          </p:cNvPr>
-          <p:cNvSpPr>
-            <a:spLocks noGrp="1"/>
-          </p:cNvSpPr>
-          <p:nvPr>
-            <p:ph type="ftr" sz="quarter" idx="11"/>
-          </p:nvPr>
-        </p:nvSpPr>
-        <p:spPr/>
-        <p:txBody>
-          <a:bodyPr/>
-          <a:lstStyle/>
-          <a:p>
-            <a:r>
-              <a:rPr lang="fr-FR"/>
-              <a:t>VERMOT Thomas, DARVAS Maximilien, MOLDES--NAAL Ramire  SAE23 / BUT R&amp;T</a:t>
-            </a:r>
-          </a:p>
-        </p:txBody>
-      </p:sp>
-      <p:sp>
-        <p:nvSpPr>
-          <p:cNvPr id="6" name="Espace réservé du numéro de diapositive 5">
-            <a:extLst>
-              <a:ext uri="{FF2B5EF4-FFF2-40B4-BE49-F238E27FC236}">
-                <a16:creationId xmlns:a16="http://schemas.microsoft.com/office/drawing/2014/main" id="{624B90FC-975D-EEDB-23B2-130F15C7499F}"/>
-              </a:ext>
-            </a:extLst>
-          </p:cNvPr>
-          <p:cNvSpPr>
-            <a:spLocks noGrp="1"/>
-          </p:cNvSpPr>
-          <p:nvPr>
-            <p:ph type="sldNum" sz="quarter" idx="12"/>
-          </p:nvPr>
-        </p:nvSpPr>
-        <p:spPr/>
-        <p:txBody>
-          <a:bodyPr/>
-          <a:lstStyle/>
-          <a:p>
-            <a:fld id="{92BA4D51-04E1-442B-A562-2E189AD24C47}" type="slidenum">
-              <a:rPr lang="fr-FR" smtClean="0"/>
-              <a:t>14</a:t>
-            </a:fld>
-            <a:endParaRPr lang="fr-FR"/>
-          </a:p>
-        </p:txBody>
-      </p:sp>
-    </p:spTree>
-    <p:extLst>
-      <p:ext uri="{BB962C8B-B14F-4D97-AF65-F5344CB8AC3E}">
-        <p14:creationId xmlns:p14="http://schemas.microsoft.com/office/powerpoint/2010/main" val="2749623434"/>
-      </p:ext>
-    </p:extLst>
-  </p:cSld>
-  <p:clrMapOvr>
-    <a:masterClrMapping/>
-  </p:clrMapOvr>
-</p:sld>
-</file>
-
-<file path=ppt/slides/slide15.xml><?xml version="1.0" encoding="utf-8"?>
-<p:sld xmlns:a="http://schemas.openxmlformats.org/drawingml/2006/main" xmlns:r="http://schemas.openxmlformats.org/officeDocument/2006/relationships" xmlns:p="http://schemas.openxmlformats.org/presentationml/2006/main">
-  <p:cSld>
-    <p:spTree>
-      <p:nvGrpSpPr>
-        <p:cNvPr id="1" name=""/>
-        <p:cNvGrpSpPr/>
-        <p:nvPr/>
-      </p:nvGrpSpPr>
-      <p:grpSpPr>
-        <a:xfrm>
-          <a:off x="0" y="0"/>
-          <a:ext cx="0" cy="0"/>
-          <a:chOff x="0" y="0"/>
-          <a:chExt cx="0" cy="0"/>
-        </a:xfrm>
-      </p:grpSpPr>
-      <p:sp>
-        <p:nvSpPr>
-          <p:cNvPr id="2" name="Titre 1">
-            <a:extLst>
-              <a:ext uri="{FF2B5EF4-FFF2-40B4-BE49-F238E27FC236}">
-                <a16:creationId xmlns:a16="http://schemas.microsoft.com/office/drawing/2014/main" id="{77B2917D-6D4B-788D-B447-2A6FAA0A2A3D}"/>
-              </a:ext>
-            </a:extLst>
-          </p:cNvPr>
-          <p:cNvSpPr>
-            <a:spLocks noGrp="1"/>
-          </p:cNvSpPr>
-          <p:nvPr>
-            <p:ph type="title"/>
-          </p:nvPr>
-        </p:nvSpPr>
-        <p:spPr/>
-        <p:txBody>
-          <a:bodyPr/>
-          <a:lstStyle/>
-          <a:p>
-            <a:r>
-              <a:rPr lang="fr-FR" dirty="0"/>
-              <a:t>Merci posé vos questions</a:t>
-            </a:r>
-          </a:p>
-        </p:txBody>
-      </p:sp>
-      <p:sp>
-        <p:nvSpPr>
-          <p:cNvPr id="3" name="Espace réservé du contenu 2">
-            <a:extLst>
-              <a:ext uri="{FF2B5EF4-FFF2-40B4-BE49-F238E27FC236}">
-                <a16:creationId xmlns:a16="http://schemas.microsoft.com/office/drawing/2014/main" id="{C1183B3C-794B-38A3-DE35-544F0F68DF2F}"/>
-              </a:ext>
-            </a:extLst>
-          </p:cNvPr>
-          <p:cNvSpPr>
-            <a:spLocks noGrp="1"/>
-          </p:cNvSpPr>
-          <p:nvPr>
-            <p:ph idx="1"/>
-          </p:nvPr>
-        </p:nvSpPr>
-        <p:spPr/>
-        <p:txBody>
-          <a:bodyPr/>
-          <a:lstStyle/>
-          <a:p>
-            <a:r>
-              <a:rPr lang="fr-FR" dirty="0"/>
-              <a:t>Contact</a:t>
-            </a:r>
-          </a:p>
-        </p:txBody>
-      </p:sp>
-      <p:sp>
-        <p:nvSpPr>
-          <p:cNvPr id="4" name="Espace réservé de la date 3">
-            <a:extLst>
-              <a:ext uri="{FF2B5EF4-FFF2-40B4-BE49-F238E27FC236}">
-                <a16:creationId xmlns:a16="http://schemas.microsoft.com/office/drawing/2014/main" id="{B82B51E7-DDDD-3144-D987-603374039BC9}"/>
-              </a:ext>
-            </a:extLst>
-          </p:cNvPr>
-          <p:cNvSpPr>
-            <a:spLocks noGrp="1"/>
-          </p:cNvSpPr>
-          <p:nvPr>
-            <p:ph type="dt" sz="half" idx="10"/>
-          </p:nvPr>
-        </p:nvSpPr>
-        <p:spPr/>
-        <p:txBody>
-          <a:bodyPr/>
-          <a:lstStyle/>
-          <a:p>
-            <a:r>
-              <a:rPr lang="fr-FR"/>
-              <a:t>18/04/2025</a:t>
-            </a:r>
-          </a:p>
-        </p:txBody>
-      </p:sp>
-      <p:sp>
-        <p:nvSpPr>
-          <p:cNvPr id="5" name="Espace réservé du pied de page 4">
-            <a:extLst>
-              <a:ext uri="{FF2B5EF4-FFF2-40B4-BE49-F238E27FC236}">
-                <a16:creationId xmlns:a16="http://schemas.microsoft.com/office/drawing/2014/main" id="{97159C85-A6BA-116F-F9B4-D45D537C635B}"/>
-              </a:ext>
-            </a:extLst>
-          </p:cNvPr>
-          <p:cNvSpPr>
-            <a:spLocks noGrp="1"/>
-          </p:cNvSpPr>
-          <p:nvPr>
-            <p:ph type="ftr" sz="quarter" idx="11"/>
-          </p:nvPr>
-        </p:nvSpPr>
-        <p:spPr/>
-        <p:txBody>
-          <a:bodyPr/>
-          <a:lstStyle/>
-          <a:p>
-            <a:r>
-              <a:rPr lang="fr-FR"/>
-              <a:t>VERMOT Thomas, DARVAS Maximilien, MOLDES--NAAL Ramire  SAE23 / BUT R&amp;T</a:t>
-            </a:r>
-          </a:p>
-        </p:txBody>
-      </p:sp>
-      <p:sp>
-        <p:nvSpPr>
-          <p:cNvPr id="6" name="Espace réservé du numéro de diapositive 5">
-            <a:extLst>
-              <a:ext uri="{FF2B5EF4-FFF2-40B4-BE49-F238E27FC236}">
-                <a16:creationId xmlns:a16="http://schemas.microsoft.com/office/drawing/2014/main" id="{9E73D3CA-E2B4-5369-8C71-169FB94849C2}"/>
-              </a:ext>
-            </a:extLst>
-          </p:cNvPr>
-          <p:cNvSpPr>
-            <a:spLocks noGrp="1"/>
-          </p:cNvSpPr>
-          <p:nvPr>
-            <p:ph type="sldNum" sz="quarter" idx="12"/>
-          </p:nvPr>
-        </p:nvSpPr>
-        <p:spPr/>
-        <p:txBody>
-          <a:bodyPr/>
-          <a:lstStyle/>
-          <a:p>
-            <a:fld id="{92BA4D51-04E1-442B-A562-2E189AD24C47}" type="slidenum">
-              <a:rPr lang="fr-FR" smtClean="0"/>
-              <a:t>15</a:t>
             </a:fld>
             <a:endParaRPr lang="fr-FR"/>
           </a:p>
@@ -5336,7 +5064,7 @@
           <a:lstStyle/>
           <a:p>
             <a:r>
-              <a:rPr lang="fr-FR" dirty="0"/>
+              <a:rPr lang="fr-FR" b="1" dirty="0"/>
               <a:t>Sommaire</a:t>
             </a:r>
           </a:p>
@@ -5358,15 +5086,54 @@
             <p:ph idx="1"/>
           </p:nvPr>
         </p:nvSpPr>
-        <p:spPr/>
-        <p:txBody>
-          <a:bodyPr/>
-          <a:lstStyle/>
-          <a:p>
-            <a:r>
-              <a:rPr lang="fr-FR" dirty="0"/>
+        <p:spPr>
+          <a:xfrm>
+            <a:off x="838200" y="2084439"/>
+            <a:ext cx="10515600" cy="4092524"/>
+          </a:xfrm>
+        </p:spPr>
+        <p:txBody>
+          <a:bodyPr/>
+          <a:lstStyle/>
+          <a:p>
+            <a:r>
+              <a:rPr lang="fr-FR" sz="3200" dirty="0"/>
               <a:t>Liste des Fonctionnalités</a:t>
             </a:r>
+          </a:p>
+          <a:p>
+            <a:r>
+              <a:rPr lang="fr-FR" sz="3200" dirty="0"/>
+              <a:t>Fichier CSV</a:t>
+            </a:r>
+          </a:p>
+          <a:p>
+            <a:r>
+              <a:rPr lang="fr-FR" sz="3200" dirty="0" err="1"/>
+              <a:t>Database</a:t>
+            </a:r>
+            <a:endParaRPr lang="fr-FR" sz="3200" dirty="0"/>
+          </a:p>
+          <a:p>
+            <a:r>
+              <a:rPr lang="fr-FR" sz="3200" dirty="0"/>
+              <a:t>Back end </a:t>
+            </a:r>
+          </a:p>
+          <a:p>
+            <a:r>
+              <a:rPr lang="fr-FR" sz="3200" dirty="0"/>
+              <a:t>Front end</a:t>
+            </a:r>
+          </a:p>
+          <a:p>
+            <a:r>
+              <a:rPr lang="fr-FR" sz="3200" dirty="0"/>
+              <a:t>Conclusion</a:t>
+            </a:r>
+          </a:p>
+          <a:p>
+            <a:endParaRPr lang="fr-FR" dirty="0"/>
           </a:p>
           <a:p>
             <a:endParaRPr lang="fr-FR" dirty="0"/>
@@ -5800,20 +5567,6 @@
           <a:p>
             <a:r>
               <a:rPr lang="fr-FR" dirty="0"/>
-              <a:t>Planning = Fonctions -&gt; testé / </a:t>
-            </a:r>
-            <a:r>
-              <a:rPr lang="fr-FR" dirty="0" err="1"/>
-              <a:t>éxécuté</a:t>
-            </a:r>
-            <a:r>
-              <a:rPr lang="fr-FR" dirty="0"/>
-              <a:t> ??</a:t>
-            </a:r>
-          </a:p>
-          <a:p>
-            <a:r>
-              <a:rPr lang="fr-FR" dirty="0"/>
               <a:t>Outils = « GitHub / Discord »</a:t>
             </a:r>
           </a:p>
@@ -5834,15 +5587,35 @@
             <a:pPr lvl="1"/>
             <a:r>
               <a:rPr lang="fr-FR" dirty="0"/>
-              <a:t>HTML / CSS / JS : Jour 1(Après-midi) ,2 ,3 </a:t>
+              <a:t>HTML / CSS / JS : Jour 1(Après-midi) ,2 ,3</a:t>
             </a:r>
           </a:p>
           <a:p>
             <a:pPr lvl="1"/>
             <a:r>
               <a:rPr lang="fr-FR" dirty="0"/>
-              <a:t>Formulaire PHP : Jour 2, 3</a:t>
-            </a:r>
+              <a:t>Formulaire PHP : Jour 2, 3, 4</a:t>
+            </a:r>
+          </a:p>
+          <a:p>
+            <a:pPr lvl="1"/>
+            <a:r>
+              <a:rPr lang="fr-FR" dirty="0"/>
+              <a:t>Oral : Jour 3, 4 </a:t>
+            </a:r>
+          </a:p>
+          <a:p>
+            <a:pPr lvl="1"/>
+            <a:r>
+              <a:rPr lang="fr-FR" dirty="0"/>
+              <a:t>Guides Jour 4 </a:t>
+            </a:r>
+          </a:p>
+          <a:p>
+            <a:pPr marL="457200" lvl="1" indent="0">
+              <a:buNone/>
+            </a:pPr>
+            <a:endParaRPr lang="fr-FR" dirty="0"/>
           </a:p>
           <a:p>
             <a:pPr marL="457200" lvl="1" indent="0">
@@ -6011,7 +5784,7 @@
           <p:cNvPr id="2" name="Titre 1">
             <a:extLst>
               <a:ext uri="{FF2B5EF4-FFF2-40B4-BE49-F238E27FC236}">
-                <a16:creationId xmlns:a16="http://schemas.microsoft.com/office/drawing/2014/main" id="{D9C73BE5-D945-1DB6-F907-00056DBDD454}"/>
+                <a16:creationId xmlns:a16="http://schemas.microsoft.com/office/drawing/2014/main" id="{288EDE63-1274-C5AE-09F7-976795052630}"/>
               </a:ext>
             </a:extLst>
           </p:cNvPr>
@@ -6028,76 +5801,46 @@
           <a:lstStyle/>
           <a:p>
             <a:r>
-              <a:rPr lang="fr-FR" dirty="0"/>
-              <a:t>Conception</a:t>
-            </a:r>
-          </a:p>
-        </p:txBody>
-      </p:sp>
-      <p:sp>
-        <p:nvSpPr>
-          <p:cNvPr id="3" name="Espace réservé du contenu 2">
-            <a:extLst>
-              <a:ext uri="{FF2B5EF4-FFF2-40B4-BE49-F238E27FC236}">
-                <a16:creationId xmlns:a16="http://schemas.microsoft.com/office/drawing/2014/main" id="{34CD7DA3-97C6-5B56-5DCE-5E23FA72AEBE}"/>
-              </a:ext>
-            </a:extLst>
-          </p:cNvPr>
-          <p:cNvSpPr>
-            <a:spLocks noGrp="1"/>
-          </p:cNvSpPr>
+              <a:rPr lang="fr-FR" b="1" dirty="0"/>
+              <a:t>Fichier CSV</a:t>
+            </a:r>
+          </a:p>
+        </p:txBody>
+      </p:sp>
+      <p:pic>
+        <p:nvPicPr>
+          <p:cNvPr id="8" name="Espace réservé du contenu 7">
+            <a:extLst>
+              <a:ext uri="{FF2B5EF4-FFF2-40B4-BE49-F238E27FC236}">
+                <a16:creationId xmlns:a16="http://schemas.microsoft.com/office/drawing/2014/main" id="{55EF3D67-814D-C53A-A8F5-F6E67232CF05}"/>
+              </a:ext>
+            </a:extLst>
+          </p:cNvPr>
+          <p:cNvPicPr>
+            <a:picLocks noGrp="1" noChangeAspect="1"/>
+          </p:cNvPicPr>
           <p:nvPr>
             <p:ph idx="1"/>
           </p:nvPr>
-        </p:nvSpPr>
-        <p:spPr/>
-        <p:txBody>
-          <a:bodyPr/>
-          <a:lstStyle/>
-          <a:p>
-            <a:r>
-              <a:rPr lang="fr-FR" dirty="0" err="1"/>
-              <a:t>Mcd</a:t>
-            </a:r>
-            <a:r>
-              <a:rPr lang="fr-FR" dirty="0"/>
-              <a:t> (relations , clé </a:t>
-            </a:r>
-            <a:r>
-              <a:rPr lang="fr-FR" dirty="0" err="1"/>
-              <a:t>primaire,secondaire</a:t>
-            </a:r>
-            <a:r>
-              <a:rPr lang="fr-FR" dirty="0"/>
-              <a:t> /</a:t>
-            </a:r>
-          </a:p>
-          <a:p>
-            <a:endParaRPr lang="fr-FR" dirty="0"/>
-          </a:p>
-          <a:p>
-            <a:r>
-              <a:rPr lang="fr-FR" dirty="0"/>
-              <a:t>Faire pour CSV / JSON / base donné /front end , back end</a:t>
-            </a:r>
-          </a:p>
-          <a:p>
-            <a:pPr marL="0" indent="0">
-              <a:buNone/>
-            </a:pPr>
-            <a:r>
-              <a:rPr lang="fr-FR" dirty="0"/>
-              <a:t> </a:t>
-            </a:r>
-          </a:p>
-        </p:txBody>
-      </p:sp>
+        </p:nvPicPr>
+        <p:blipFill>
+          <a:blip r:embed="rId2"/>
+          <a:srcRect b="29741"/>
+          <a:stretch/>
+        </p:blipFill>
+        <p:spPr>
+          <a:xfrm>
+            <a:off x="2423263" y="1690688"/>
+            <a:ext cx="7345473" cy="1199996"/>
+          </a:xfrm>
+        </p:spPr>
+      </p:pic>
       <p:sp>
         <p:nvSpPr>
           <p:cNvPr id="4" name="Espace réservé de la date 3">
             <a:extLst>
               <a:ext uri="{FF2B5EF4-FFF2-40B4-BE49-F238E27FC236}">
-                <a16:creationId xmlns:a16="http://schemas.microsoft.com/office/drawing/2014/main" id="{70D6A447-DDF4-7E02-2468-29013681B670}"/>
+                <a16:creationId xmlns:a16="http://schemas.microsoft.com/office/drawing/2014/main" id="{7B628664-306A-177F-4ED3-1DDE3E5C0822}"/>
               </a:ext>
             </a:extLst>
           </p:cNvPr>
@@ -6125,7 +5868,7 @@
           <p:cNvPr id="5" name="Espace réservé du pied de page 4">
             <a:extLst>
               <a:ext uri="{FF2B5EF4-FFF2-40B4-BE49-F238E27FC236}">
-                <a16:creationId xmlns:a16="http://schemas.microsoft.com/office/drawing/2014/main" id="{92E51E37-8E2B-41C0-9FC4-FFDCDD5D8CF5}"/>
+                <a16:creationId xmlns:a16="http://schemas.microsoft.com/office/drawing/2014/main" id="{9F3B364D-FB8C-D8C4-8C9E-4F4BF8FAE4B2}"/>
               </a:ext>
             </a:extLst>
           </p:cNvPr>
@@ -6153,7 +5896,7 @@
           <p:cNvPr id="6" name="Espace réservé du numéro de diapositive 5">
             <a:extLst>
               <a:ext uri="{FF2B5EF4-FFF2-40B4-BE49-F238E27FC236}">
-                <a16:creationId xmlns:a16="http://schemas.microsoft.com/office/drawing/2014/main" id="{A0F142B0-6AA6-96F8-075C-EF37612056CA}"/>
+                <a16:creationId xmlns:a16="http://schemas.microsoft.com/office/drawing/2014/main" id="{76E86BF7-269E-7853-C635-A2FD76ACFF1B}"/>
               </a:ext>
             </a:extLst>
           </p:cNvPr>
@@ -6177,10 +5920,40 @@
           </a:p>
         </p:txBody>
       </p:sp>
+      <p:pic>
+        <p:nvPicPr>
+          <p:cNvPr id="7" name="Image 6">
+            <a:extLst>
+              <a:ext uri="{FF2B5EF4-FFF2-40B4-BE49-F238E27FC236}">
+                <a16:creationId xmlns:a16="http://schemas.microsoft.com/office/drawing/2014/main" id="{2FDC0802-9C05-BDEF-54A0-BC0DB886F84A}"/>
+              </a:ext>
+            </a:extLst>
+          </p:cNvPr>
+          <p:cNvPicPr>
+            <a:picLocks noChangeAspect="1"/>
+          </p:cNvPicPr>
+          <p:nvPr/>
+        </p:nvPicPr>
+        <p:blipFill>
+          <a:blip r:embed="rId3"/>
+          <a:stretch>
+            <a:fillRect/>
+          </a:stretch>
+        </p:blipFill>
+        <p:spPr>
+          <a:xfrm>
+            <a:off x="3379233" y="3102218"/>
+            <a:ext cx="5433531" cy="2423370"/>
+          </a:xfrm>
+          <a:prstGeom prst="rect">
+            <a:avLst/>
+          </a:prstGeom>
+        </p:spPr>
+      </p:pic>
     </p:spTree>
     <p:extLst>
       <p:ext uri="{BB962C8B-B14F-4D97-AF65-F5344CB8AC3E}">
-        <p14:creationId xmlns:p14="http://schemas.microsoft.com/office/powerpoint/2010/main" val="2336901811"/>
+        <p14:creationId xmlns:p14="http://schemas.microsoft.com/office/powerpoint/2010/main" val="188658509"/>
       </p:ext>
     </p:extLst>
   </p:cSld>
@@ -6212,7 +5985,7 @@
           <p:cNvPr id="2" name="Titre 1">
             <a:extLst>
               <a:ext uri="{FF2B5EF4-FFF2-40B4-BE49-F238E27FC236}">
-                <a16:creationId xmlns:a16="http://schemas.microsoft.com/office/drawing/2014/main" id="{086F67A0-AF44-8330-2203-A6A45FFB60EC}"/>
+                <a16:creationId xmlns:a16="http://schemas.microsoft.com/office/drawing/2014/main" id="{B8C21DBE-CE34-6621-7D88-0912C3B248C0}"/>
               </a:ext>
             </a:extLst>
           </p:cNvPr>
@@ -6229,59 +6002,51 @@
           <a:lstStyle/>
           <a:p>
             <a:r>
+              <a:rPr lang="fr-FR" dirty="0" err="1"/>
+              <a:t>Database</a:t>
+            </a:r>
+            <a:r>
               <a:rPr lang="fr-FR" dirty="0"/>
-              <a:t>Réalisation</a:t>
-            </a:r>
-          </a:p>
-        </p:txBody>
-      </p:sp>
-      <p:sp>
-        <p:nvSpPr>
-          <p:cNvPr id="3" name="Espace réservé du contenu 2">
-            <a:extLst>
-              <a:ext uri="{FF2B5EF4-FFF2-40B4-BE49-F238E27FC236}">
-                <a16:creationId xmlns:a16="http://schemas.microsoft.com/office/drawing/2014/main" id="{60989A95-119A-7581-0268-06965EC9286A}"/>
-              </a:ext>
-            </a:extLst>
-          </p:cNvPr>
-          <p:cNvSpPr>
-            <a:spLocks noGrp="1"/>
-          </p:cNvSpPr>
+              <a:t> (MCD)</a:t>
+            </a:r>
+          </a:p>
+        </p:txBody>
+      </p:sp>
+      <p:pic>
+        <p:nvPicPr>
+          <p:cNvPr id="8" name="Espace réservé du contenu 7">
+            <a:extLst>
+              <a:ext uri="{FF2B5EF4-FFF2-40B4-BE49-F238E27FC236}">
+                <a16:creationId xmlns:a16="http://schemas.microsoft.com/office/drawing/2014/main" id="{9230550D-BB0B-6096-3C0B-5A041696E82A}"/>
+              </a:ext>
+            </a:extLst>
+          </p:cNvPr>
+          <p:cNvPicPr>
+            <a:picLocks noGrp="1" noChangeAspect="1"/>
+          </p:cNvPicPr>
           <p:nvPr>
             <p:ph idx="1"/>
           </p:nvPr>
-        </p:nvSpPr>
-        <p:spPr/>
-        <p:txBody>
-          <a:bodyPr/>
-          <a:lstStyle/>
-          <a:p>
-            <a:r>
-              <a:rPr lang="fr-FR" dirty="0" err="1"/>
-              <a:t>Mdp</a:t>
-            </a:r>
-            <a:r>
-              <a:rPr lang="fr-FR" dirty="0"/>
-              <a:t> + jeux de test , analyse </a:t>
-            </a:r>
-          </a:p>
-          <a:p>
-            <a:endParaRPr lang="fr-FR" dirty="0"/>
-          </a:p>
-          <a:p>
-            <a:r>
-              <a:rPr lang="fr-FR" dirty="0"/>
-              <a:t>Faire pour CSV / JSON / base donné /front end , back end</a:t>
-            </a:r>
-          </a:p>
-        </p:txBody>
-      </p:sp>
+        </p:nvPicPr>
+        <p:blipFill>
+          <a:blip r:embed="rId2"/>
+          <a:stretch>
+            <a:fillRect/>
+          </a:stretch>
+        </p:blipFill>
+        <p:spPr>
+          <a:xfrm>
+            <a:off x="1789471" y="1548473"/>
+            <a:ext cx="8789031" cy="4687484"/>
+          </a:xfrm>
+        </p:spPr>
+      </p:pic>
       <p:sp>
         <p:nvSpPr>
           <p:cNvPr id="4" name="Espace réservé de la date 3">
             <a:extLst>
               <a:ext uri="{FF2B5EF4-FFF2-40B4-BE49-F238E27FC236}">
-                <a16:creationId xmlns:a16="http://schemas.microsoft.com/office/drawing/2014/main" id="{0C589E91-287E-63D4-CCEE-FF792DB94FD7}"/>
+                <a16:creationId xmlns:a16="http://schemas.microsoft.com/office/drawing/2014/main" id="{1B2078AB-C17B-0F7D-07B2-01E4E7B6A20B}"/>
               </a:ext>
             </a:extLst>
           </p:cNvPr>
@@ -6309,7 +6074,7 @@
           <p:cNvPr id="5" name="Espace réservé du pied de page 4">
             <a:extLst>
               <a:ext uri="{FF2B5EF4-FFF2-40B4-BE49-F238E27FC236}">
-                <a16:creationId xmlns:a16="http://schemas.microsoft.com/office/drawing/2014/main" id="{9B888398-6ECA-A0C6-CF01-DA32BD5ED376}"/>
+                <a16:creationId xmlns:a16="http://schemas.microsoft.com/office/drawing/2014/main" id="{021E5C24-81E6-30A1-91E9-12EF8C4F7484}"/>
               </a:ext>
             </a:extLst>
           </p:cNvPr>
@@ -6337,7 +6102,7 @@
           <p:cNvPr id="6" name="Espace réservé du numéro de diapositive 5">
             <a:extLst>
               <a:ext uri="{FF2B5EF4-FFF2-40B4-BE49-F238E27FC236}">
-                <a16:creationId xmlns:a16="http://schemas.microsoft.com/office/drawing/2014/main" id="{72A8DEAF-B67F-0FEB-2943-103F43F9B8B6}"/>
+                <a16:creationId xmlns:a16="http://schemas.microsoft.com/office/drawing/2014/main" id="{B61F511F-8E09-3C2C-9255-D83254E6988D}"/>
               </a:ext>
             </a:extLst>
           </p:cNvPr>
@@ -6364,7 +6129,7 @@
     </p:spTree>
     <p:extLst>
       <p:ext uri="{BB962C8B-B14F-4D97-AF65-F5344CB8AC3E}">
-        <p14:creationId xmlns:p14="http://schemas.microsoft.com/office/powerpoint/2010/main" val="3970902079"/>
+        <p14:creationId xmlns:p14="http://schemas.microsoft.com/office/powerpoint/2010/main" val="1724680463"/>
       </p:ext>
     </p:extLst>
   </p:cSld>
@@ -6396,7 +6161,7 @@
           <p:cNvPr id="2" name="Titre 1">
             <a:extLst>
               <a:ext uri="{FF2B5EF4-FFF2-40B4-BE49-F238E27FC236}">
-                <a16:creationId xmlns:a16="http://schemas.microsoft.com/office/drawing/2014/main" id="{288EDE63-1274-C5AE-09F7-976795052630}"/>
+                <a16:creationId xmlns:a16="http://schemas.microsoft.com/office/drawing/2014/main" id="{54A80B67-8E4C-06C4-27BC-076D25BEA171}"/>
               </a:ext>
             </a:extLst>
           </p:cNvPr>
@@ -6413,8 +6178,12 @@
           <a:lstStyle/>
           <a:p>
             <a:r>
+              <a:rPr lang="fr-FR" dirty="0" err="1"/>
+              <a:t>Database</a:t>
+            </a:r>
+            <a:r>
               <a:rPr lang="fr-FR" dirty="0"/>
-              <a:t>Fichier CSV</a:t>
+              <a:t> (MPD)</a:t>
             </a:r>
           </a:p>
         </p:txBody>
@@ -6424,7 +6193,7 @@
           <p:cNvPr id="8" name="Espace réservé du contenu 7">
             <a:extLst>
               <a:ext uri="{FF2B5EF4-FFF2-40B4-BE49-F238E27FC236}">
-                <a16:creationId xmlns:a16="http://schemas.microsoft.com/office/drawing/2014/main" id="{55EF3D67-814D-C53A-A8F5-F6E67232CF05}"/>
+                <a16:creationId xmlns:a16="http://schemas.microsoft.com/office/drawing/2014/main" id="{31A2F769-F114-06CC-ABEF-135BDD1B44B8}"/>
               </a:ext>
             </a:extLst>
           </p:cNvPr>
@@ -6437,135 +6206,106 @@
         </p:nvPicPr>
         <p:blipFill>
           <a:blip r:embed="rId2"/>
-          <a:srcRect b="29741"/>
-          <a:stretch/>
-        </p:blipFill>
-        <p:spPr>
-          <a:xfrm>
-            <a:off x="544025" y="1690688"/>
-            <a:ext cx="7345473" cy="1199996"/>
-          </a:xfrm>
-        </p:spPr>
-      </p:pic>
-      <p:sp>
-        <p:nvSpPr>
-          <p:cNvPr id="4" name="Espace réservé de la date 3">
-            <a:extLst>
-              <a:ext uri="{FF2B5EF4-FFF2-40B4-BE49-F238E27FC236}">
-                <a16:creationId xmlns:a16="http://schemas.microsoft.com/office/drawing/2014/main" id="{7B628664-306A-177F-4ED3-1DDE3E5C0822}"/>
-              </a:ext>
-            </a:extLst>
-          </p:cNvPr>
-          <p:cNvSpPr>
-            <a:spLocks noGrp="1"/>
-          </p:cNvSpPr>
-          <p:nvPr>
-            <p:ph type="dt" sz="half" idx="10"/>
-          </p:nvPr>
-        </p:nvSpPr>
-        <p:spPr/>
-        <p:txBody>
-          <a:bodyPr/>
-          <a:lstStyle/>
-          <a:p>
-            <a:r>
-              <a:rPr lang="fr-FR"/>
-              <a:t>18/04/2025</a:t>
-            </a:r>
-          </a:p>
-        </p:txBody>
-      </p:sp>
-      <p:sp>
-        <p:nvSpPr>
-          <p:cNvPr id="5" name="Espace réservé du pied de page 4">
-            <a:extLst>
-              <a:ext uri="{FF2B5EF4-FFF2-40B4-BE49-F238E27FC236}">
-                <a16:creationId xmlns:a16="http://schemas.microsoft.com/office/drawing/2014/main" id="{9F3B364D-FB8C-D8C4-8C9E-4F4BF8FAE4B2}"/>
-              </a:ext>
-            </a:extLst>
-          </p:cNvPr>
-          <p:cNvSpPr>
-            <a:spLocks noGrp="1"/>
-          </p:cNvSpPr>
-          <p:nvPr>
-            <p:ph type="ftr" sz="quarter" idx="11"/>
-          </p:nvPr>
-        </p:nvSpPr>
-        <p:spPr/>
-        <p:txBody>
-          <a:bodyPr/>
-          <a:lstStyle/>
-          <a:p>
-            <a:r>
-              <a:rPr lang="fr-FR"/>
-              <a:t>VERMOT Thomas, DARVAS Maximilien, MOLDES--NAAL Ramire  SAE23 / BUT R&amp;T</a:t>
-            </a:r>
-          </a:p>
-        </p:txBody>
-      </p:sp>
-      <p:sp>
-        <p:nvSpPr>
-          <p:cNvPr id="6" name="Espace réservé du numéro de diapositive 5">
-            <a:extLst>
-              <a:ext uri="{FF2B5EF4-FFF2-40B4-BE49-F238E27FC236}">
-                <a16:creationId xmlns:a16="http://schemas.microsoft.com/office/drawing/2014/main" id="{76E86BF7-269E-7853-C635-A2FD76ACFF1B}"/>
-              </a:ext>
-            </a:extLst>
-          </p:cNvPr>
-          <p:cNvSpPr>
-            <a:spLocks noGrp="1"/>
-          </p:cNvSpPr>
-          <p:nvPr>
-            <p:ph type="sldNum" sz="quarter" idx="12"/>
-          </p:nvPr>
-        </p:nvSpPr>
-        <p:spPr/>
-        <p:txBody>
-          <a:bodyPr/>
-          <a:lstStyle/>
-          <a:p>
-            <a:fld id="{92BA4D51-04E1-442B-A562-2E189AD24C47}" type="slidenum">
-              <a:rPr lang="fr-FR" smtClean="0"/>
-              <a:t>8</a:t>
-            </a:fld>
-            <a:endParaRPr lang="fr-FR"/>
-          </a:p>
-        </p:txBody>
-      </p:sp>
-      <p:pic>
-        <p:nvPicPr>
-          <p:cNvPr id="10" name="Image 9">
-            <a:extLst>
-              <a:ext uri="{FF2B5EF4-FFF2-40B4-BE49-F238E27FC236}">
-                <a16:creationId xmlns:a16="http://schemas.microsoft.com/office/drawing/2014/main" id="{38F9206E-3D3D-A456-E9C4-2DF638C138CA}"/>
-              </a:ext>
-            </a:extLst>
-          </p:cNvPr>
-          <p:cNvPicPr>
-            <a:picLocks noChangeAspect="1"/>
-          </p:cNvPicPr>
-          <p:nvPr/>
-        </p:nvPicPr>
-        <p:blipFill>
-          <a:blip r:embed="rId3"/>
           <a:stretch>
             <a:fillRect/>
           </a:stretch>
         </p:blipFill>
         <p:spPr>
           <a:xfrm>
-            <a:off x="544026" y="2987109"/>
-            <a:ext cx="11011854" cy="3086367"/>
+            <a:off x="1405483" y="2027543"/>
+            <a:ext cx="9381033" cy="3947502"/>
           </a:xfrm>
-          <a:prstGeom prst="rect">
-            <a:avLst/>
-          </a:prstGeom>
         </p:spPr>
       </p:pic>
+      <p:sp>
+        <p:nvSpPr>
+          <p:cNvPr id="4" name="Espace réservé de la date 3">
+            <a:extLst>
+              <a:ext uri="{FF2B5EF4-FFF2-40B4-BE49-F238E27FC236}">
+                <a16:creationId xmlns:a16="http://schemas.microsoft.com/office/drawing/2014/main" id="{7E430F75-8CDA-D312-F0CE-DA08B095B438}"/>
+              </a:ext>
+            </a:extLst>
+          </p:cNvPr>
+          <p:cNvSpPr>
+            <a:spLocks noGrp="1"/>
+          </p:cNvSpPr>
+          <p:nvPr>
+            <p:ph type="dt" sz="half" idx="10"/>
+          </p:nvPr>
+        </p:nvSpPr>
+        <p:spPr/>
+        <p:txBody>
+          <a:bodyPr/>
+          <a:lstStyle/>
+          <a:p>
+            <a:r>
+              <a:rPr lang="fr-FR"/>
+              <a:t>18/04/2025</a:t>
+            </a:r>
+          </a:p>
+        </p:txBody>
+      </p:sp>
+      <p:sp>
+        <p:nvSpPr>
+          <p:cNvPr id="5" name="Espace réservé du pied de page 4">
+            <a:extLst>
+              <a:ext uri="{FF2B5EF4-FFF2-40B4-BE49-F238E27FC236}">
+                <a16:creationId xmlns:a16="http://schemas.microsoft.com/office/drawing/2014/main" id="{DC6A6E1F-AF85-22C4-BC68-057626309442}"/>
+              </a:ext>
+            </a:extLst>
+          </p:cNvPr>
+          <p:cNvSpPr>
+            <a:spLocks noGrp="1"/>
+          </p:cNvSpPr>
+          <p:nvPr>
+            <p:ph type="ftr" sz="quarter" idx="11"/>
+          </p:nvPr>
+        </p:nvSpPr>
+        <p:spPr/>
+        <p:txBody>
+          <a:bodyPr/>
+          <a:lstStyle/>
+          <a:p>
+            <a:r>
+              <a:rPr lang="fr-FR"/>
+              <a:t>VERMOT Thomas, DARVAS Maximilien, MOLDES--NAAL Ramire  SAE23 / BUT R&amp;T</a:t>
+            </a:r>
+          </a:p>
+        </p:txBody>
+      </p:sp>
+      <p:sp>
+        <p:nvSpPr>
+          <p:cNvPr id="6" name="Espace réservé du numéro de diapositive 5">
+            <a:extLst>
+              <a:ext uri="{FF2B5EF4-FFF2-40B4-BE49-F238E27FC236}">
+                <a16:creationId xmlns:a16="http://schemas.microsoft.com/office/drawing/2014/main" id="{08456D16-CFF6-B3DC-B872-F346D24D6B29}"/>
+              </a:ext>
+            </a:extLst>
+          </p:cNvPr>
+          <p:cNvSpPr>
+            <a:spLocks noGrp="1"/>
+          </p:cNvSpPr>
+          <p:nvPr>
+            <p:ph type="sldNum" sz="quarter" idx="12"/>
+          </p:nvPr>
+        </p:nvSpPr>
+        <p:spPr/>
+        <p:txBody>
+          <a:bodyPr/>
+          <a:lstStyle/>
+          <a:p>
+            <a:fld id="{92BA4D51-04E1-442B-A562-2E189AD24C47}" type="slidenum">
+              <a:rPr lang="fr-FR" smtClean="0"/>
+              <a:t>8</a:t>
+            </a:fld>
+            <a:endParaRPr lang="fr-FR"/>
+          </a:p>
+        </p:txBody>
+      </p:sp>
     </p:spTree>
     <p:extLst>
       <p:ext uri="{BB962C8B-B14F-4D97-AF65-F5344CB8AC3E}">
-        <p14:creationId xmlns:p14="http://schemas.microsoft.com/office/powerpoint/2010/main" val="188658509"/>
+        <p14:creationId xmlns:p14="http://schemas.microsoft.com/office/powerpoint/2010/main" val="226315811"/>
       </p:ext>
     </p:extLst>
   </p:cSld>
@@ -6597,7 +6337,7 @@
           <p:cNvPr id="2" name="Titre 1">
             <a:extLst>
               <a:ext uri="{FF2B5EF4-FFF2-40B4-BE49-F238E27FC236}">
-                <a16:creationId xmlns:a16="http://schemas.microsoft.com/office/drawing/2014/main" id="{B8C21DBE-CE34-6621-7D88-0912C3B248C0}"/>
+                <a16:creationId xmlns:a16="http://schemas.microsoft.com/office/drawing/2014/main" id="{680DA0ED-40BB-5499-7312-EA17C252F746}"/>
               </a:ext>
             </a:extLst>
           </p:cNvPr>
@@ -6619,7 +6359,7 @@
             </a:r>
             <a:r>
               <a:rPr lang="fr-FR" dirty="0"/>
-              <a:t> (MCD)</a:t>
+              <a:t> (MPD)</a:t>
             </a:r>
           </a:p>
         </p:txBody>
@@ -6629,7 +6369,7 @@
           <p:cNvPr id="8" name="Espace réservé du contenu 7">
             <a:extLst>
               <a:ext uri="{FF2B5EF4-FFF2-40B4-BE49-F238E27FC236}">
-                <a16:creationId xmlns:a16="http://schemas.microsoft.com/office/drawing/2014/main" id="{9230550D-BB0B-6096-3C0B-5A041696E82A}"/>
+                <a16:creationId xmlns:a16="http://schemas.microsoft.com/office/drawing/2014/main" id="{F368C929-537E-1231-A5E2-CF51692F93F3}"/>
               </a:ext>
             </a:extLst>
           </p:cNvPr>
@@ -6648,8 +6388,8 @@
         </p:blipFill>
         <p:spPr>
           <a:xfrm>
-            <a:off x="1789471" y="1548473"/>
-            <a:ext cx="8789031" cy="4687484"/>
+            <a:off x="436580" y="2308951"/>
+            <a:ext cx="11318839" cy="3410163"/>
           </a:xfrm>
         </p:spPr>
       </p:pic>
@@ -6658,7 +6398,7 @@
           <p:cNvPr id="4" name="Espace réservé de la date 3">
             <a:extLst>
               <a:ext uri="{FF2B5EF4-FFF2-40B4-BE49-F238E27FC236}">
-                <a16:creationId xmlns:a16="http://schemas.microsoft.com/office/drawing/2014/main" id="{1B2078AB-C17B-0F7D-07B2-01E4E7B6A20B}"/>
+                <a16:creationId xmlns:a16="http://schemas.microsoft.com/office/drawing/2014/main" id="{67F7B2D7-8309-89C6-8015-941D160C9254}"/>
               </a:ext>
             </a:extLst>
           </p:cNvPr>
@@ -6686,7 +6426,7 @@
           <p:cNvPr id="5" name="Espace réservé du pied de page 4">
             <a:extLst>
               <a:ext uri="{FF2B5EF4-FFF2-40B4-BE49-F238E27FC236}">
-                <a16:creationId xmlns:a16="http://schemas.microsoft.com/office/drawing/2014/main" id="{021E5C24-81E6-30A1-91E9-12EF8C4F7484}"/>
+                <a16:creationId xmlns:a16="http://schemas.microsoft.com/office/drawing/2014/main" id="{B4789038-C580-B81E-D08C-9706BA8DB392}"/>
               </a:ext>
             </a:extLst>
           </p:cNvPr>
@@ -6714,7 +6454,7 @@
           <p:cNvPr id="6" name="Espace réservé du numéro de diapositive 5">
             <a:extLst>
               <a:ext uri="{FF2B5EF4-FFF2-40B4-BE49-F238E27FC236}">
-                <a16:creationId xmlns:a16="http://schemas.microsoft.com/office/drawing/2014/main" id="{B61F511F-8E09-3C2C-9255-D83254E6988D}"/>
+                <a16:creationId xmlns:a16="http://schemas.microsoft.com/office/drawing/2014/main" id="{DC055DC0-5F1F-A678-4A99-1EB58244776F}"/>
               </a:ext>
             </a:extLst>
           </p:cNvPr>
@@ -6741,7 +6481,7 @@
     </p:spTree>
     <p:extLst>
       <p:ext uri="{BB962C8B-B14F-4D97-AF65-F5344CB8AC3E}">
-        <p14:creationId xmlns:p14="http://schemas.microsoft.com/office/powerpoint/2010/main" val="1724680463"/>
+        <p14:creationId xmlns:p14="http://schemas.microsoft.com/office/powerpoint/2010/main" val="1059874249"/>
       </p:ext>
     </p:extLst>
   </p:cSld>

--- a/Présenation 2.3.pptx
+++ b/Présenation 2.3.pptx
@@ -5317,7 +5317,7 @@
             </a:pPr>
             <a:r>
               <a:rPr lang="fr-FR" sz="2200" dirty="0"/>
-              <a:t>Import des données depuis un fichier CSV ou JSON</a:t>
+              <a:t>Import des données depuis un fichier CSV ou JSON </a:t>
             </a:r>
           </a:p>
           <a:p>
@@ -5382,10 +5382,8 @@
           <a:p>
             <a:r>
               <a:rPr lang="fr-FR" sz="2200" dirty="0"/>
-              <a:t>Documentation utilisateur / administrateur, Interface Administrateur</a:t>
-            </a:r>
-          </a:p>
-          <a:p>
+              <a:t>Documentation utilisateur / administrateur / développer</a:t>
+            </a:r>
             <a:endParaRPr lang="fr-FR" sz="1800" dirty="0"/>
           </a:p>
           <a:p>
@@ -5807,34 +5805,6 @@
           </a:p>
         </p:txBody>
       </p:sp>
-      <p:pic>
-        <p:nvPicPr>
-          <p:cNvPr id="8" name="Espace réservé du contenu 7">
-            <a:extLst>
-              <a:ext uri="{FF2B5EF4-FFF2-40B4-BE49-F238E27FC236}">
-                <a16:creationId xmlns:a16="http://schemas.microsoft.com/office/drawing/2014/main" id="{55EF3D67-814D-C53A-A8F5-F6E67232CF05}"/>
-              </a:ext>
-            </a:extLst>
-          </p:cNvPr>
-          <p:cNvPicPr>
-            <a:picLocks noGrp="1" noChangeAspect="1"/>
-          </p:cNvPicPr>
-          <p:nvPr>
-            <p:ph idx="1"/>
-          </p:nvPr>
-        </p:nvPicPr>
-        <p:blipFill>
-          <a:blip r:embed="rId2"/>
-          <a:srcRect b="29741"/>
-          <a:stretch/>
-        </p:blipFill>
-        <p:spPr>
-          <a:xfrm>
-            <a:off x="2423263" y="1690688"/>
-            <a:ext cx="7345473" cy="1199996"/>
-          </a:xfrm>
-        </p:spPr>
-      </p:pic>
       <p:sp>
         <p:nvSpPr>
           <p:cNvPr id="4" name="Espace réservé de la date 3">
@@ -5926,6 +5896,61 @@
             <a:extLst>
               <a:ext uri="{FF2B5EF4-FFF2-40B4-BE49-F238E27FC236}">
                 <a16:creationId xmlns:a16="http://schemas.microsoft.com/office/drawing/2014/main" id="{2FDC0802-9C05-BDEF-54A0-BC0DB886F84A}"/>
+              </a:ext>
+            </a:extLst>
+          </p:cNvPr>
+          <p:cNvPicPr>
+            <a:picLocks noChangeAspect="1"/>
+          </p:cNvPicPr>
+          <p:nvPr/>
+        </p:nvPicPr>
+        <p:blipFill>
+          <a:blip r:embed="rId2"/>
+          <a:stretch>
+            <a:fillRect/>
+          </a:stretch>
+        </p:blipFill>
+        <p:spPr>
+          <a:xfrm>
+            <a:off x="3379233" y="3102218"/>
+            <a:ext cx="5433531" cy="2423370"/>
+          </a:xfrm>
+          <a:prstGeom prst="rect">
+            <a:avLst/>
+          </a:prstGeom>
+        </p:spPr>
+      </p:pic>
+      <p:sp>
+        <p:nvSpPr>
+          <p:cNvPr id="13" name="Espace réservé du contenu 12">
+            <a:extLst>
+              <a:ext uri="{FF2B5EF4-FFF2-40B4-BE49-F238E27FC236}">
+                <a16:creationId xmlns:a16="http://schemas.microsoft.com/office/drawing/2014/main" id="{DBFE64EC-D86F-27D8-F3BB-58BF89889CAB}"/>
+              </a:ext>
+            </a:extLst>
+          </p:cNvPr>
+          <p:cNvSpPr>
+            <a:spLocks noGrp="1"/>
+          </p:cNvSpPr>
+          <p:nvPr>
+            <p:ph idx="1"/>
+          </p:nvPr>
+        </p:nvSpPr>
+        <p:spPr/>
+        <p:txBody>
+          <a:bodyPr/>
+          <a:lstStyle/>
+          <a:p>
+            <a:endParaRPr lang="fr-FR" dirty="0"/>
+          </a:p>
+        </p:txBody>
+      </p:sp>
+      <p:pic>
+        <p:nvPicPr>
+          <p:cNvPr id="15" name="Image 14">
+            <a:extLst>
+              <a:ext uri="{FF2B5EF4-FFF2-40B4-BE49-F238E27FC236}">
+                <a16:creationId xmlns:a16="http://schemas.microsoft.com/office/drawing/2014/main" id="{3AEDD721-CEE6-D992-B45C-969AD8CE6DDD}"/>
               </a:ext>
             </a:extLst>
           </p:cNvPr>
@@ -5942,8 +5967,8 @@
         </p:blipFill>
         <p:spPr>
           <a:xfrm>
-            <a:off x="3379233" y="3102218"/>
-            <a:ext cx="5433531" cy="2423370"/>
+            <a:off x="2805270" y="1822926"/>
+            <a:ext cx="6581455" cy="1211824"/>
           </a:xfrm>
           <a:prstGeom prst="rect">
             <a:avLst/>
